--- a/docs/images/image.pptx
+++ b/docs/images/image.pptx
@@ -261,7 +261,7 @@
           <a:p>
             <a:fld id="{ADE13B4F-82F2-8746-9A9F-CB87C31B99E5}" type="datetimeFigureOut">
               <a:rPr kumimoji="1" lang="ja-US" altLang="en-US" smtClean="0"/>
-              <a:t>9/16/23</a:t>
+              <a:t>9/20/23</a:t>
             </a:fld>
             <a:endParaRPr kumimoji="1" lang="ja-US" altLang="en-US"/>
           </a:p>
@@ -493,7 +493,7 @@
           <a:p>
             <a:fld id="{ADE13B4F-82F2-8746-9A9F-CB87C31B99E5}" type="datetimeFigureOut">
               <a:rPr kumimoji="1" lang="ja-US" altLang="en-US" smtClean="0"/>
-              <a:t>9/16/23</a:t>
+              <a:t>9/20/23</a:t>
             </a:fld>
             <a:endParaRPr kumimoji="1" lang="ja-US" altLang="en-US"/>
           </a:p>
@@ -735,7 +735,7 @@
           <a:p>
             <a:fld id="{ADE13B4F-82F2-8746-9A9F-CB87C31B99E5}" type="datetimeFigureOut">
               <a:rPr kumimoji="1" lang="ja-US" altLang="en-US" smtClean="0"/>
-              <a:t>9/16/23</a:t>
+              <a:t>9/20/23</a:t>
             </a:fld>
             <a:endParaRPr kumimoji="1" lang="ja-US" altLang="en-US"/>
           </a:p>
@@ -967,7 +967,7 @@
           <a:p>
             <a:fld id="{ADE13B4F-82F2-8746-9A9F-CB87C31B99E5}" type="datetimeFigureOut">
               <a:rPr kumimoji="1" lang="ja-US" altLang="en-US" smtClean="0"/>
-              <a:t>9/16/23</a:t>
+              <a:t>9/20/23</a:t>
             </a:fld>
             <a:endParaRPr kumimoji="1" lang="ja-US" altLang="en-US"/>
           </a:p>
@@ -1243,7 +1243,7 @@
           <a:p>
             <a:fld id="{ADE13B4F-82F2-8746-9A9F-CB87C31B99E5}" type="datetimeFigureOut">
               <a:rPr kumimoji="1" lang="ja-US" altLang="en-US" smtClean="0"/>
-              <a:t>9/16/23</a:t>
+              <a:t>9/20/23</a:t>
             </a:fld>
             <a:endParaRPr kumimoji="1" lang="ja-US" altLang="en-US"/>
           </a:p>
@@ -1575,7 +1575,7 @@
           <a:p>
             <a:fld id="{ADE13B4F-82F2-8746-9A9F-CB87C31B99E5}" type="datetimeFigureOut">
               <a:rPr kumimoji="1" lang="ja-US" altLang="en-US" smtClean="0"/>
-              <a:t>9/16/23</a:t>
+              <a:t>9/20/23</a:t>
             </a:fld>
             <a:endParaRPr kumimoji="1" lang="ja-US" altLang="en-US"/>
           </a:p>
@@ -2054,7 +2054,7 @@
           <a:p>
             <a:fld id="{ADE13B4F-82F2-8746-9A9F-CB87C31B99E5}" type="datetimeFigureOut">
               <a:rPr kumimoji="1" lang="ja-US" altLang="en-US" smtClean="0"/>
-              <a:t>9/16/23</a:t>
+              <a:t>9/20/23</a:t>
             </a:fld>
             <a:endParaRPr kumimoji="1" lang="ja-US" altLang="en-US"/>
           </a:p>
@@ -2196,7 +2196,7 @@
           <a:p>
             <a:fld id="{ADE13B4F-82F2-8746-9A9F-CB87C31B99E5}" type="datetimeFigureOut">
               <a:rPr kumimoji="1" lang="ja-US" altLang="en-US" smtClean="0"/>
-              <a:t>9/16/23</a:t>
+              <a:t>9/20/23</a:t>
             </a:fld>
             <a:endParaRPr kumimoji="1" lang="ja-US" altLang="en-US"/>
           </a:p>
@@ -2309,7 +2309,7 @@
           <a:p>
             <a:fld id="{ADE13B4F-82F2-8746-9A9F-CB87C31B99E5}" type="datetimeFigureOut">
               <a:rPr kumimoji="1" lang="ja-US" altLang="en-US" smtClean="0"/>
-              <a:t>9/16/23</a:t>
+              <a:t>9/20/23</a:t>
             </a:fld>
             <a:endParaRPr kumimoji="1" lang="ja-US" altLang="en-US"/>
           </a:p>
@@ -2654,7 +2654,7 @@
           <a:p>
             <a:fld id="{ADE13B4F-82F2-8746-9A9F-CB87C31B99E5}" type="datetimeFigureOut">
               <a:rPr kumimoji="1" lang="ja-US" altLang="en-US" smtClean="0"/>
-              <a:t>9/16/23</a:t>
+              <a:t>9/20/23</a:t>
             </a:fld>
             <a:endParaRPr kumimoji="1" lang="ja-US" altLang="en-US"/>
           </a:p>
@@ -2943,7 +2943,7 @@
           <a:p>
             <a:fld id="{ADE13B4F-82F2-8746-9A9F-CB87C31B99E5}" type="datetimeFigureOut">
               <a:rPr kumimoji="1" lang="ja-US" altLang="en-US" smtClean="0"/>
-              <a:t>9/16/23</a:t>
+              <a:t>9/20/23</a:t>
             </a:fld>
             <a:endParaRPr kumimoji="1" lang="ja-US" altLang="en-US"/>
           </a:p>
@@ -3218,7 +3218,7 @@
           <a:p>
             <a:fld id="{ADE13B4F-82F2-8746-9A9F-CB87C31B99E5}" type="datetimeFigureOut">
               <a:rPr kumimoji="1" lang="ja-US" altLang="en-US" smtClean="0"/>
-              <a:t>9/16/23</a:t>
+              <a:t>9/20/23</a:t>
             </a:fld>
             <a:endParaRPr kumimoji="1" lang="ja-US" altLang="en-US"/>
           </a:p>
@@ -3637,6 +3637,56 @@
       </p:grpSpPr>
       <p:sp>
         <p:nvSpPr>
+          <p:cNvPr id="2" name="正方形/長方形 1">
+            <a:extLst>
+              <a:ext uri="{FF2B5EF4-FFF2-40B4-BE49-F238E27FC236}">
+                <a16:creationId xmlns:a16="http://schemas.microsoft.com/office/drawing/2014/main" id="{0FCAF9A9-B6CF-2435-A09A-6B4D0E4452FB}"/>
+              </a:ext>
+            </a:extLst>
+          </p:cNvPr>
+          <p:cNvSpPr/>
+          <p:nvPr/>
+        </p:nvSpPr>
+        <p:spPr>
+          <a:xfrm>
+            <a:off x="647846" y="1271752"/>
+            <a:ext cx="9490841" cy="5202620"/>
+          </a:xfrm>
+          <a:prstGeom prst="rect">
+            <a:avLst/>
+          </a:prstGeom>
+          <a:noFill/>
+          <a:ln>
+            <a:noFill/>
+          </a:ln>
+        </p:spPr>
+        <p:style>
+          <a:lnRef idx="2">
+            <a:schemeClr val="accent1">
+              <a:shade val="15000"/>
+            </a:schemeClr>
+          </a:lnRef>
+          <a:fillRef idx="1">
+            <a:schemeClr val="accent1"/>
+          </a:fillRef>
+          <a:effectRef idx="0">
+            <a:schemeClr val="accent1"/>
+          </a:effectRef>
+          <a:fontRef idx="minor">
+            <a:schemeClr val="lt1"/>
+          </a:fontRef>
+        </p:style>
+        <p:txBody>
+          <a:bodyPr rtlCol="0" anchor="ctr"/>
+          <a:lstStyle/>
+          <a:p>
+            <a:pPr algn="ctr"/>
+            <a:endParaRPr kumimoji="1" lang="ja-US" altLang="en-US"/>
+          </a:p>
+        </p:txBody>
+      </p:sp>
+      <p:sp>
+        <p:nvSpPr>
           <p:cNvPr id="5" name="角丸四角形 4">
             <a:extLst>
               <a:ext uri="{FF2B5EF4-FFF2-40B4-BE49-F238E27FC236}">
@@ -3797,81 +3847,6 @@
               <a:t>TOML</a:t>
             </a:r>
             <a:endParaRPr kumimoji="1" lang="ja-US" altLang="en-US" dirty="0"/>
-          </a:p>
-        </p:txBody>
-      </p:sp>
-      <p:sp>
-        <p:nvSpPr>
-          <p:cNvPr id="9" name="角丸四角形 8">
-            <a:extLst>
-              <a:ext uri="{FF2B5EF4-FFF2-40B4-BE49-F238E27FC236}">
-                <a16:creationId xmlns:a16="http://schemas.microsoft.com/office/drawing/2014/main" id="{76C18398-0E5C-A3EA-A737-27E6A620CB57}"/>
-              </a:ext>
-            </a:extLst>
-          </p:cNvPr>
-          <p:cNvSpPr/>
-          <p:nvPr/>
-        </p:nvSpPr>
-        <p:spPr>
-          <a:xfrm>
-            <a:off x="626533" y="762000"/>
-            <a:ext cx="3098800" cy="5698067"/>
-          </a:xfrm>
-          <a:prstGeom prst="roundRect">
-            <a:avLst>
-              <a:gd name="adj" fmla="val 8470"/>
-            </a:avLst>
-          </a:prstGeom>
-          <a:noFill/>
-          <a:ln w="28575">
-            <a:solidFill>
-              <a:schemeClr val="tx1">
-                <a:lumMod val="65000"/>
-                <a:lumOff val="35000"/>
-              </a:schemeClr>
-            </a:solidFill>
-          </a:ln>
-        </p:spPr>
-        <p:style>
-          <a:lnRef idx="2">
-            <a:schemeClr val="accent1">
-              <a:shade val="15000"/>
-            </a:schemeClr>
-          </a:lnRef>
-          <a:fillRef idx="1">
-            <a:schemeClr val="accent1"/>
-          </a:fillRef>
-          <a:effectRef idx="0">
-            <a:schemeClr val="accent1"/>
-          </a:effectRef>
-          <a:fontRef idx="minor">
-            <a:schemeClr val="lt1"/>
-          </a:fontRef>
-        </p:style>
-        <p:txBody>
-          <a:bodyPr rtlCol="0" anchor="t"/>
-          <a:lstStyle/>
-          <a:p>
-            <a:pPr algn="ctr"/>
-            <a:r>
-              <a:rPr kumimoji="1" lang="en-US" altLang="ja-US" sz="2400" dirty="0">
-                <a:solidFill>
-                  <a:schemeClr val="tx1">
-                    <a:lumMod val="75000"/>
-                    <a:lumOff val="25000"/>
-                  </a:schemeClr>
-                </a:solidFill>
-              </a:rPr>
-              <a:t>Config File</a:t>
-            </a:r>
-            <a:endParaRPr kumimoji="1" lang="ja-US" altLang="en-US" sz="2400" dirty="0">
-              <a:solidFill>
-                <a:schemeClr val="tx1">
-                  <a:lumMod val="75000"/>
-                  <a:lumOff val="25000"/>
-                </a:schemeClr>
-              </a:solidFill>
-            </a:endParaRPr>
           </a:p>
         </p:txBody>
       </p:sp>
@@ -4041,81 +4016,6 @@
               <a:t>ZSH</a:t>
             </a:r>
             <a:endParaRPr kumimoji="1" lang="ja-US" altLang="en-US" dirty="0"/>
-          </a:p>
-        </p:txBody>
-      </p:sp>
-      <p:sp>
-        <p:nvSpPr>
-          <p:cNvPr id="15" name="角丸四角形 14">
-            <a:extLst>
-              <a:ext uri="{FF2B5EF4-FFF2-40B4-BE49-F238E27FC236}">
-                <a16:creationId xmlns:a16="http://schemas.microsoft.com/office/drawing/2014/main" id="{3AE298D9-5B7E-8CDC-3505-845FA470255C}"/>
-              </a:ext>
-            </a:extLst>
-          </p:cNvPr>
-          <p:cNvSpPr/>
-          <p:nvPr/>
-        </p:nvSpPr>
-        <p:spPr>
-          <a:xfrm>
-            <a:off x="7061201" y="762000"/>
-            <a:ext cx="3098800" cy="5698067"/>
-          </a:xfrm>
-          <a:prstGeom prst="roundRect">
-            <a:avLst>
-              <a:gd name="adj" fmla="val 8470"/>
-            </a:avLst>
-          </a:prstGeom>
-          <a:noFill/>
-          <a:ln w="28575">
-            <a:solidFill>
-              <a:schemeClr val="tx1">
-                <a:lumMod val="65000"/>
-                <a:lumOff val="35000"/>
-              </a:schemeClr>
-            </a:solidFill>
-          </a:ln>
-        </p:spPr>
-        <p:style>
-          <a:lnRef idx="2">
-            <a:schemeClr val="accent1">
-              <a:shade val="15000"/>
-            </a:schemeClr>
-          </a:lnRef>
-          <a:fillRef idx="1">
-            <a:schemeClr val="accent1"/>
-          </a:fillRef>
-          <a:effectRef idx="0">
-            <a:schemeClr val="accent1"/>
-          </a:effectRef>
-          <a:fontRef idx="minor">
-            <a:schemeClr val="lt1"/>
-          </a:fontRef>
-        </p:style>
-        <p:txBody>
-          <a:bodyPr rtlCol="0" anchor="t"/>
-          <a:lstStyle/>
-          <a:p>
-            <a:pPr algn="ctr"/>
-            <a:r>
-              <a:rPr kumimoji="1" lang="en-US" altLang="ja-US" sz="2400" dirty="0">
-                <a:solidFill>
-                  <a:schemeClr val="tx1">
-                    <a:lumMod val="75000"/>
-                    <a:lumOff val="25000"/>
-                  </a:schemeClr>
-                </a:solidFill>
-              </a:rPr>
-              <a:t>Shell Completion File</a:t>
-            </a:r>
-            <a:endParaRPr kumimoji="1" lang="ja-US" altLang="en-US" sz="2400" dirty="0">
-              <a:solidFill>
-                <a:schemeClr val="tx1">
-                  <a:lumMod val="75000"/>
-                  <a:lumOff val="25000"/>
-                </a:schemeClr>
-              </a:solidFill>
-            </a:endParaRPr>
           </a:p>
         </p:txBody>
       </p:sp>

--- a/docs/images/image.pptx
+++ b/docs/images/image.pptx
@@ -261,7 +261,7 @@
           <a:p>
             <a:fld id="{ADE13B4F-82F2-8746-9A9F-CB87C31B99E5}" type="datetimeFigureOut">
               <a:rPr kumimoji="1" lang="ja-US" altLang="en-US" smtClean="0"/>
-              <a:t>9/20/23</a:t>
+              <a:t>9/16/23</a:t>
             </a:fld>
             <a:endParaRPr kumimoji="1" lang="ja-US" altLang="en-US"/>
           </a:p>
@@ -493,7 +493,7 @@
           <a:p>
             <a:fld id="{ADE13B4F-82F2-8746-9A9F-CB87C31B99E5}" type="datetimeFigureOut">
               <a:rPr kumimoji="1" lang="ja-US" altLang="en-US" smtClean="0"/>
-              <a:t>9/20/23</a:t>
+              <a:t>9/16/23</a:t>
             </a:fld>
             <a:endParaRPr kumimoji="1" lang="ja-US" altLang="en-US"/>
           </a:p>
@@ -735,7 +735,7 @@
           <a:p>
             <a:fld id="{ADE13B4F-82F2-8746-9A9F-CB87C31B99E5}" type="datetimeFigureOut">
               <a:rPr kumimoji="1" lang="ja-US" altLang="en-US" smtClean="0"/>
-              <a:t>9/20/23</a:t>
+              <a:t>9/16/23</a:t>
             </a:fld>
             <a:endParaRPr kumimoji="1" lang="ja-US" altLang="en-US"/>
           </a:p>
@@ -967,7 +967,7 @@
           <a:p>
             <a:fld id="{ADE13B4F-82F2-8746-9A9F-CB87C31B99E5}" type="datetimeFigureOut">
               <a:rPr kumimoji="1" lang="ja-US" altLang="en-US" smtClean="0"/>
-              <a:t>9/20/23</a:t>
+              <a:t>9/16/23</a:t>
             </a:fld>
             <a:endParaRPr kumimoji="1" lang="ja-US" altLang="en-US"/>
           </a:p>
@@ -1243,7 +1243,7 @@
           <a:p>
             <a:fld id="{ADE13B4F-82F2-8746-9A9F-CB87C31B99E5}" type="datetimeFigureOut">
               <a:rPr kumimoji="1" lang="ja-US" altLang="en-US" smtClean="0"/>
-              <a:t>9/20/23</a:t>
+              <a:t>9/16/23</a:t>
             </a:fld>
             <a:endParaRPr kumimoji="1" lang="ja-US" altLang="en-US"/>
           </a:p>
@@ -1575,7 +1575,7 @@
           <a:p>
             <a:fld id="{ADE13B4F-82F2-8746-9A9F-CB87C31B99E5}" type="datetimeFigureOut">
               <a:rPr kumimoji="1" lang="ja-US" altLang="en-US" smtClean="0"/>
-              <a:t>9/20/23</a:t>
+              <a:t>9/16/23</a:t>
             </a:fld>
             <a:endParaRPr kumimoji="1" lang="ja-US" altLang="en-US"/>
           </a:p>
@@ -2054,7 +2054,7 @@
           <a:p>
             <a:fld id="{ADE13B4F-82F2-8746-9A9F-CB87C31B99E5}" type="datetimeFigureOut">
               <a:rPr kumimoji="1" lang="ja-US" altLang="en-US" smtClean="0"/>
-              <a:t>9/20/23</a:t>
+              <a:t>9/16/23</a:t>
             </a:fld>
             <a:endParaRPr kumimoji="1" lang="ja-US" altLang="en-US"/>
           </a:p>
@@ -2196,7 +2196,7 @@
           <a:p>
             <a:fld id="{ADE13B4F-82F2-8746-9A9F-CB87C31B99E5}" type="datetimeFigureOut">
               <a:rPr kumimoji="1" lang="ja-US" altLang="en-US" smtClean="0"/>
-              <a:t>9/20/23</a:t>
+              <a:t>9/16/23</a:t>
             </a:fld>
             <a:endParaRPr kumimoji="1" lang="ja-US" altLang="en-US"/>
           </a:p>
@@ -2309,7 +2309,7 @@
           <a:p>
             <a:fld id="{ADE13B4F-82F2-8746-9A9F-CB87C31B99E5}" type="datetimeFigureOut">
               <a:rPr kumimoji="1" lang="ja-US" altLang="en-US" smtClean="0"/>
-              <a:t>9/20/23</a:t>
+              <a:t>9/16/23</a:t>
             </a:fld>
             <a:endParaRPr kumimoji="1" lang="ja-US" altLang="en-US"/>
           </a:p>
@@ -2654,7 +2654,7 @@
           <a:p>
             <a:fld id="{ADE13B4F-82F2-8746-9A9F-CB87C31B99E5}" type="datetimeFigureOut">
               <a:rPr kumimoji="1" lang="ja-US" altLang="en-US" smtClean="0"/>
-              <a:t>9/20/23</a:t>
+              <a:t>9/16/23</a:t>
             </a:fld>
             <a:endParaRPr kumimoji="1" lang="ja-US" altLang="en-US"/>
           </a:p>
@@ -2943,7 +2943,7 @@
           <a:p>
             <a:fld id="{ADE13B4F-82F2-8746-9A9F-CB87C31B99E5}" type="datetimeFigureOut">
               <a:rPr kumimoji="1" lang="ja-US" altLang="en-US" smtClean="0"/>
-              <a:t>9/20/23</a:t>
+              <a:t>9/16/23</a:t>
             </a:fld>
             <a:endParaRPr kumimoji="1" lang="ja-US" altLang="en-US"/>
           </a:p>
@@ -3218,7 +3218,7 @@
           <a:p>
             <a:fld id="{ADE13B4F-82F2-8746-9A9F-CB87C31B99E5}" type="datetimeFigureOut">
               <a:rPr kumimoji="1" lang="ja-US" altLang="en-US" smtClean="0"/>
-              <a:t>9/20/23</a:t>
+              <a:t>9/16/23</a:t>
             </a:fld>
             <a:endParaRPr kumimoji="1" lang="ja-US" altLang="en-US"/>
           </a:p>
@@ -3637,56 +3637,6 @@
       </p:grpSpPr>
       <p:sp>
         <p:nvSpPr>
-          <p:cNvPr id="2" name="正方形/長方形 1">
-            <a:extLst>
-              <a:ext uri="{FF2B5EF4-FFF2-40B4-BE49-F238E27FC236}">
-                <a16:creationId xmlns:a16="http://schemas.microsoft.com/office/drawing/2014/main" id="{0FCAF9A9-B6CF-2435-A09A-6B4D0E4452FB}"/>
-              </a:ext>
-            </a:extLst>
-          </p:cNvPr>
-          <p:cNvSpPr/>
-          <p:nvPr/>
-        </p:nvSpPr>
-        <p:spPr>
-          <a:xfrm>
-            <a:off x="647846" y="1271752"/>
-            <a:ext cx="9490841" cy="5202620"/>
-          </a:xfrm>
-          <a:prstGeom prst="rect">
-            <a:avLst/>
-          </a:prstGeom>
-          <a:noFill/>
-          <a:ln>
-            <a:noFill/>
-          </a:ln>
-        </p:spPr>
-        <p:style>
-          <a:lnRef idx="2">
-            <a:schemeClr val="accent1">
-              <a:shade val="15000"/>
-            </a:schemeClr>
-          </a:lnRef>
-          <a:fillRef idx="1">
-            <a:schemeClr val="accent1"/>
-          </a:fillRef>
-          <a:effectRef idx="0">
-            <a:schemeClr val="accent1"/>
-          </a:effectRef>
-          <a:fontRef idx="minor">
-            <a:schemeClr val="lt1"/>
-          </a:fontRef>
-        </p:style>
-        <p:txBody>
-          <a:bodyPr rtlCol="0" anchor="ctr"/>
-          <a:lstStyle/>
-          <a:p>
-            <a:pPr algn="ctr"/>
-            <a:endParaRPr kumimoji="1" lang="ja-US" altLang="en-US"/>
-          </a:p>
-        </p:txBody>
-      </p:sp>
-      <p:sp>
-        <p:nvSpPr>
           <p:cNvPr id="5" name="角丸四角形 4">
             <a:extLst>
               <a:ext uri="{FF2B5EF4-FFF2-40B4-BE49-F238E27FC236}">
@@ -3847,6 +3797,81 @@
               <a:t>TOML</a:t>
             </a:r>
             <a:endParaRPr kumimoji="1" lang="ja-US" altLang="en-US" dirty="0"/>
+          </a:p>
+        </p:txBody>
+      </p:sp>
+      <p:sp>
+        <p:nvSpPr>
+          <p:cNvPr id="9" name="角丸四角形 8">
+            <a:extLst>
+              <a:ext uri="{FF2B5EF4-FFF2-40B4-BE49-F238E27FC236}">
+                <a16:creationId xmlns:a16="http://schemas.microsoft.com/office/drawing/2014/main" id="{76C18398-0E5C-A3EA-A737-27E6A620CB57}"/>
+              </a:ext>
+            </a:extLst>
+          </p:cNvPr>
+          <p:cNvSpPr/>
+          <p:nvPr/>
+        </p:nvSpPr>
+        <p:spPr>
+          <a:xfrm>
+            <a:off x="626533" y="762000"/>
+            <a:ext cx="3098800" cy="5698067"/>
+          </a:xfrm>
+          <a:prstGeom prst="roundRect">
+            <a:avLst>
+              <a:gd name="adj" fmla="val 8470"/>
+            </a:avLst>
+          </a:prstGeom>
+          <a:noFill/>
+          <a:ln w="28575">
+            <a:solidFill>
+              <a:schemeClr val="tx1">
+                <a:lumMod val="65000"/>
+                <a:lumOff val="35000"/>
+              </a:schemeClr>
+            </a:solidFill>
+          </a:ln>
+        </p:spPr>
+        <p:style>
+          <a:lnRef idx="2">
+            <a:schemeClr val="accent1">
+              <a:shade val="15000"/>
+            </a:schemeClr>
+          </a:lnRef>
+          <a:fillRef idx="1">
+            <a:schemeClr val="accent1"/>
+          </a:fillRef>
+          <a:effectRef idx="0">
+            <a:schemeClr val="accent1"/>
+          </a:effectRef>
+          <a:fontRef idx="minor">
+            <a:schemeClr val="lt1"/>
+          </a:fontRef>
+        </p:style>
+        <p:txBody>
+          <a:bodyPr rtlCol="0" anchor="t"/>
+          <a:lstStyle/>
+          <a:p>
+            <a:pPr algn="ctr"/>
+            <a:r>
+              <a:rPr kumimoji="1" lang="en-US" altLang="ja-US" sz="2400" dirty="0">
+                <a:solidFill>
+                  <a:schemeClr val="tx1">
+                    <a:lumMod val="75000"/>
+                    <a:lumOff val="25000"/>
+                  </a:schemeClr>
+                </a:solidFill>
+              </a:rPr>
+              <a:t>Config File</a:t>
+            </a:r>
+            <a:endParaRPr kumimoji="1" lang="ja-US" altLang="en-US" sz="2400" dirty="0">
+              <a:solidFill>
+                <a:schemeClr val="tx1">
+                  <a:lumMod val="75000"/>
+                  <a:lumOff val="25000"/>
+                </a:schemeClr>
+              </a:solidFill>
+            </a:endParaRPr>
           </a:p>
         </p:txBody>
       </p:sp>
@@ -4016,6 +4041,81 @@
               <a:t>ZSH</a:t>
             </a:r>
             <a:endParaRPr kumimoji="1" lang="ja-US" altLang="en-US" dirty="0"/>
+          </a:p>
+        </p:txBody>
+      </p:sp>
+      <p:sp>
+        <p:nvSpPr>
+          <p:cNvPr id="15" name="角丸四角形 14">
+            <a:extLst>
+              <a:ext uri="{FF2B5EF4-FFF2-40B4-BE49-F238E27FC236}">
+                <a16:creationId xmlns:a16="http://schemas.microsoft.com/office/drawing/2014/main" id="{3AE298D9-5B7E-8CDC-3505-845FA470255C}"/>
+              </a:ext>
+            </a:extLst>
+          </p:cNvPr>
+          <p:cNvSpPr/>
+          <p:nvPr/>
+        </p:nvSpPr>
+        <p:spPr>
+          <a:xfrm>
+            <a:off x="7061201" y="762000"/>
+            <a:ext cx="3098800" cy="5698067"/>
+          </a:xfrm>
+          <a:prstGeom prst="roundRect">
+            <a:avLst>
+              <a:gd name="adj" fmla="val 8470"/>
+            </a:avLst>
+          </a:prstGeom>
+          <a:noFill/>
+          <a:ln w="28575">
+            <a:solidFill>
+              <a:schemeClr val="tx1">
+                <a:lumMod val="65000"/>
+                <a:lumOff val="35000"/>
+              </a:schemeClr>
+            </a:solidFill>
+          </a:ln>
+        </p:spPr>
+        <p:style>
+          <a:lnRef idx="2">
+            <a:schemeClr val="accent1">
+              <a:shade val="15000"/>
+            </a:schemeClr>
+          </a:lnRef>
+          <a:fillRef idx="1">
+            <a:schemeClr val="accent1"/>
+          </a:fillRef>
+          <a:effectRef idx="0">
+            <a:schemeClr val="accent1"/>
+          </a:effectRef>
+          <a:fontRef idx="minor">
+            <a:schemeClr val="lt1"/>
+          </a:fontRef>
+        </p:style>
+        <p:txBody>
+          <a:bodyPr rtlCol="0" anchor="t"/>
+          <a:lstStyle/>
+          <a:p>
+            <a:pPr algn="ctr"/>
+            <a:r>
+              <a:rPr kumimoji="1" lang="en-US" altLang="ja-US" sz="2400" dirty="0">
+                <a:solidFill>
+                  <a:schemeClr val="tx1">
+                    <a:lumMod val="75000"/>
+                    <a:lumOff val="25000"/>
+                  </a:schemeClr>
+                </a:solidFill>
+              </a:rPr>
+              <a:t>Shell Completion File</a:t>
+            </a:r>
+            <a:endParaRPr kumimoji="1" lang="ja-US" altLang="en-US" sz="2400" dirty="0">
+              <a:solidFill>
+                <a:schemeClr val="tx1">
+                  <a:lumMod val="75000"/>
+                  <a:lumOff val="25000"/>
+                </a:schemeClr>
+              </a:solidFill>
+            </a:endParaRPr>
           </a:p>
         </p:txBody>
       </p:sp>

--- a/docs/images/image.pptx
+++ b/docs/images/image.pptx
@@ -261,7 +261,7 @@
           <a:p>
             <a:fld id="{ADE13B4F-82F2-8746-9A9F-CB87C31B99E5}" type="datetimeFigureOut">
               <a:rPr kumimoji="1" lang="ja-US" altLang="en-US" smtClean="0"/>
-              <a:t>9/16/23</a:t>
+              <a:t>9/20/23</a:t>
             </a:fld>
             <a:endParaRPr kumimoji="1" lang="ja-US" altLang="en-US"/>
           </a:p>
@@ -493,7 +493,7 @@
           <a:p>
             <a:fld id="{ADE13B4F-82F2-8746-9A9F-CB87C31B99E5}" type="datetimeFigureOut">
               <a:rPr kumimoji="1" lang="ja-US" altLang="en-US" smtClean="0"/>
-              <a:t>9/16/23</a:t>
+              <a:t>9/20/23</a:t>
             </a:fld>
             <a:endParaRPr kumimoji="1" lang="ja-US" altLang="en-US"/>
           </a:p>
@@ -735,7 +735,7 @@
           <a:p>
             <a:fld id="{ADE13B4F-82F2-8746-9A9F-CB87C31B99E5}" type="datetimeFigureOut">
               <a:rPr kumimoji="1" lang="ja-US" altLang="en-US" smtClean="0"/>
-              <a:t>9/16/23</a:t>
+              <a:t>9/20/23</a:t>
             </a:fld>
             <a:endParaRPr kumimoji="1" lang="ja-US" altLang="en-US"/>
           </a:p>
@@ -967,7 +967,7 @@
           <a:p>
             <a:fld id="{ADE13B4F-82F2-8746-9A9F-CB87C31B99E5}" type="datetimeFigureOut">
               <a:rPr kumimoji="1" lang="ja-US" altLang="en-US" smtClean="0"/>
-              <a:t>9/16/23</a:t>
+              <a:t>9/20/23</a:t>
             </a:fld>
             <a:endParaRPr kumimoji="1" lang="ja-US" altLang="en-US"/>
           </a:p>
@@ -1243,7 +1243,7 @@
           <a:p>
             <a:fld id="{ADE13B4F-82F2-8746-9A9F-CB87C31B99E5}" type="datetimeFigureOut">
               <a:rPr kumimoji="1" lang="ja-US" altLang="en-US" smtClean="0"/>
-              <a:t>9/16/23</a:t>
+              <a:t>9/20/23</a:t>
             </a:fld>
             <a:endParaRPr kumimoji="1" lang="ja-US" altLang="en-US"/>
           </a:p>
@@ -1575,7 +1575,7 @@
           <a:p>
             <a:fld id="{ADE13B4F-82F2-8746-9A9F-CB87C31B99E5}" type="datetimeFigureOut">
               <a:rPr kumimoji="1" lang="ja-US" altLang="en-US" smtClean="0"/>
-              <a:t>9/16/23</a:t>
+              <a:t>9/20/23</a:t>
             </a:fld>
             <a:endParaRPr kumimoji="1" lang="ja-US" altLang="en-US"/>
           </a:p>
@@ -2054,7 +2054,7 @@
           <a:p>
             <a:fld id="{ADE13B4F-82F2-8746-9A9F-CB87C31B99E5}" type="datetimeFigureOut">
               <a:rPr kumimoji="1" lang="ja-US" altLang="en-US" smtClean="0"/>
-              <a:t>9/16/23</a:t>
+              <a:t>9/20/23</a:t>
             </a:fld>
             <a:endParaRPr kumimoji="1" lang="ja-US" altLang="en-US"/>
           </a:p>
@@ -2196,7 +2196,7 @@
           <a:p>
             <a:fld id="{ADE13B4F-82F2-8746-9A9F-CB87C31B99E5}" type="datetimeFigureOut">
               <a:rPr kumimoji="1" lang="ja-US" altLang="en-US" smtClean="0"/>
-              <a:t>9/16/23</a:t>
+              <a:t>9/20/23</a:t>
             </a:fld>
             <a:endParaRPr kumimoji="1" lang="ja-US" altLang="en-US"/>
           </a:p>
@@ -2309,7 +2309,7 @@
           <a:p>
             <a:fld id="{ADE13B4F-82F2-8746-9A9F-CB87C31B99E5}" type="datetimeFigureOut">
               <a:rPr kumimoji="1" lang="ja-US" altLang="en-US" smtClean="0"/>
-              <a:t>9/16/23</a:t>
+              <a:t>9/20/23</a:t>
             </a:fld>
             <a:endParaRPr kumimoji="1" lang="ja-US" altLang="en-US"/>
           </a:p>
@@ -2654,7 +2654,7 @@
           <a:p>
             <a:fld id="{ADE13B4F-82F2-8746-9A9F-CB87C31B99E5}" type="datetimeFigureOut">
               <a:rPr kumimoji="1" lang="ja-US" altLang="en-US" smtClean="0"/>
-              <a:t>9/16/23</a:t>
+              <a:t>9/20/23</a:t>
             </a:fld>
             <a:endParaRPr kumimoji="1" lang="ja-US" altLang="en-US"/>
           </a:p>
@@ -2943,7 +2943,7 @@
           <a:p>
             <a:fld id="{ADE13B4F-82F2-8746-9A9F-CB87C31B99E5}" type="datetimeFigureOut">
               <a:rPr kumimoji="1" lang="ja-US" altLang="en-US" smtClean="0"/>
-              <a:t>9/16/23</a:t>
+              <a:t>9/20/23</a:t>
             </a:fld>
             <a:endParaRPr kumimoji="1" lang="ja-US" altLang="en-US"/>
           </a:p>
@@ -3218,7 +3218,7 @@
           <a:p>
             <a:fld id="{ADE13B4F-82F2-8746-9A9F-CB87C31B99E5}" type="datetimeFigureOut">
               <a:rPr kumimoji="1" lang="ja-US" altLang="en-US" smtClean="0"/>
-              <a:t>9/16/23</a:t>
+              <a:t>9/20/23</a:t>
             </a:fld>
             <a:endParaRPr kumimoji="1" lang="ja-US" altLang="en-US"/>
           </a:p>
@@ -3824,12 +3824,7 @@
           </a:prstGeom>
           <a:noFill/>
           <a:ln w="28575">
-            <a:solidFill>
-              <a:schemeClr val="tx1">
-                <a:lumMod val="65000"/>
-                <a:lumOff val="35000"/>
-              </a:schemeClr>
-            </a:solidFill>
+            <a:noFill/>
           </a:ln>
         </p:spPr>
         <p:style>
@@ -4068,12 +4063,7 @@
           </a:prstGeom>
           <a:noFill/>
           <a:ln w="28575">
-            <a:solidFill>
-              <a:schemeClr val="tx1">
-                <a:lumMod val="65000"/>
-                <a:lumOff val="35000"/>
-              </a:schemeClr>
-            </a:solidFill>
+            <a:noFill/>
           </a:ln>
         </p:spPr>
         <p:style>
